--- a/Warframe Codex.pptx
+++ b/Warframe Codex.pptx
@@ -3819,34 +3819,52 @@
           </a:p>
           <a:p>
             <a:r>
+              <a:rPr lang="cs-CZ" sz="4800" dirty="0" err="1">
+                <a:latin typeface="Gill Sans MT" panose="020B0502020104020203" pitchFamily="34" charset="-18"/>
+              </a:rPr>
+              <a:t>Parsování</a:t>
+            </a:r>
+            <a:r>
+              <a:rPr lang="cs-CZ" sz="4800" dirty="0">
+                <a:latin typeface="Gill Sans MT" panose="020B0502020104020203" pitchFamily="34" charset="-18"/>
+              </a:rPr>
+              <a:t> JSON </a:t>
+            </a:r>
+            <a:r>
+              <a:rPr lang="cs-CZ" sz="4800" dirty="0" smtClean="0">
+                <a:latin typeface="Gill Sans MT" panose="020B0502020104020203" pitchFamily="34" charset="-18"/>
+              </a:rPr>
+              <a:t>souborů</a:t>
+            </a:r>
+            <a:endParaRPr lang="cs-CZ" sz="4800" dirty="0" smtClean="0">
+              <a:latin typeface="Gill Sans MT" panose="020B0502020104020203" pitchFamily="34" charset="-18"/>
+            </a:endParaRPr>
+          </a:p>
+          <a:p>
+            <a:r>
               <a:rPr lang="cs-CZ" sz="4800" dirty="0" smtClean="0">
                 <a:latin typeface="Gill Sans MT" panose="020B0502020104020203" pitchFamily="34" charset="-18"/>
               </a:rPr>
               <a:t>Indexování</a:t>
             </a:r>
+            <a:endParaRPr lang="cs-CZ" sz="4800" dirty="0" smtClean="0">
+              <a:latin typeface="Gill Sans MT" panose="020B0502020104020203" pitchFamily="34" charset="-18"/>
+            </a:endParaRPr>
           </a:p>
           <a:p>
             <a:r>
               <a:rPr lang="cs-CZ" sz="4800" dirty="0" smtClean="0">
                 <a:latin typeface="Gill Sans MT" panose="020B0502020104020203" pitchFamily="34" charset="-18"/>
               </a:rPr>
-              <a:t>Přeposílání dat</a:t>
-            </a:r>
-          </a:p>
-          <a:p>
-            <a:r>
-              <a:rPr lang="cs-CZ" sz="4800" dirty="0" err="1" smtClean="0">
-                <a:latin typeface="Gill Sans MT" panose="020B0502020104020203" pitchFamily="34" charset="-18"/>
-              </a:rPr>
-              <a:t>Parsování</a:t>
+              <a:t>Přeposílání </a:t>
             </a:r>
             <a:r>
               <a:rPr lang="cs-CZ" sz="4800" dirty="0" smtClean="0">
                 <a:latin typeface="Gill Sans MT" panose="020B0502020104020203" pitchFamily="34" charset="-18"/>
               </a:rPr>
-              <a:t> JSON souborů</a:t>
-            </a:r>
-            <a:endParaRPr lang="cs-CZ" sz="4800" dirty="0">
+              <a:t>dat</a:t>
+            </a:r>
+            <a:endParaRPr lang="cs-CZ" sz="4800" dirty="0" smtClean="0">
               <a:latin typeface="Gill Sans MT" panose="020B0502020104020203" pitchFamily="34" charset="-18"/>
             </a:endParaRPr>
           </a:p>
@@ -4990,8 +5008,23 @@
               <a:rPr lang="cs-CZ" sz="4800" dirty="0" smtClean="0">
                 <a:latin typeface="Gill Sans MT" panose="020B0502020104020203" pitchFamily="34" charset="-18"/>
               </a:rPr>
-              <a:t>oogle Play</a:t>
-            </a:r>
+              <a:t>oogle </a:t>
+            </a:r>
+            <a:r>
+              <a:rPr lang="cs-CZ" sz="4800" dirty="0" smtClean="0">
+                <a:latin typeface="Gill Sans MT" panose="020B0502020104020203" pitchFamily="34" charset="-18"/>
+              </a:rPr>
+              <a:t>Play </a:t>
+            </a:r>
+            <a:r>
+              <a:rPr lang="cs-CZ" sz="4800" dirty="0" err="1" smtClean="0">
+                <a:latin typeface="Gill Sans MT" panose="020B0502020104020203" pitchFamily="34" charset="-18"/>
+              </a:rPr>
+              <a:t>Store</a:t>
+            </a:r>
+            <a:endParaRPr lang="cs-CZ" sz="4800" dirty="0" smtClean="0">
+              <a:latin typeface="Gill Sans MT" panose="020B0502020104020203" pitchFamily="34" charset="-18"/>
+            </a:endParaRPr>
           </a:p>
           <a:p>
             <a:r>

--- a/Warframe Codex.pptx
+++ b/Warframe Codex.pptx
@@ -6,12 +6,13 @@
   </p:sldMasterIdLst>
   <p:sldIdLst>
     <p:sldId id="256" r:id="rId2"/>
-    <p:sldId id="257" r:id="rId3"/>
-    <p:sldId id="261" r:id="rId4"/>
-    <p:sldId id="258" r:id="rId5"/>
-    <p:sldId id="259" r:id="rId6"/>
-    <p:sldId id="260" r:id="rId7"/>
-    <p:sldId id="262" r:id="rId8"/>
+    <p:sldId id="263" r:id="rId3"/>
+    <p:sldId id="257" r:id="rId4"/>
+    <p:sldId id="261" r:id="rId5"/>
+    <p:sldId id="258" r:id="rId6"/>
+    <p:sldId id="259" r:id="rId7"/>
+    <p:sldId id="260" r:id="rId8"/>
+    <p:sldId id="262" r:id="rId9"/>
   </p:sldIdLst>
   <p:sldSz cx="12192000" cy="6858000"/>
   <p:notesSz cx="6858000" cy="9144000"/>
@@ -160,10 +161,9 @@
           </a:lstStyle>
           <a:p>
             <a:r>
-              <a:rPr lang="cs-CZ" smtClean="0"/>
+              <a:rPr lang="cs-CZ"/>
               <a:t>Kliknutím lze upravit styl.</a:t>
             </a:r>
-            <a:endParaRPr lang="cs-CZ"/>
           </a:p>
         </p:txBody>
       </p:sp>
@@ -225,10 +225,9 @@
           </a:lstStyle>
           <a:p>
             <a:r>
-              <a:rPr lang="cs-CZ" smtClean="0"/>
+              <a:rPr lang="cs-CZ"/>
               <a:t>Kliknutím můžete upravit styl předlohy.</a:t>
             </a:r>
-            <a:endParaRPr lang="cs-CZ"/>
           </a:p>
         </p:txBody>
       </p:sp>
@@ -249,7 +248,7 @@
           <a:p>
             <a:fld id="{48A87A34-81AB-432B-8DAE-1953F412C126}" type="datetimeFigureOut">
               <a:rPr lang="en-US" smtClean="0"/>
-              <a:t>1/15/2019</a:t>
+              <a:t>1/16/2019</a:t>
             </a:fld>
             <a:endParaRPr lang="en-US" dirty="0"/>
           </a:p>
@@ -343,10 +342,9 @@
           <a:lstStyle/>
           <a:p>
             <a:r>
-              <a:rPr lang="cs-CZ" smtClean="0"/>
+              <a:rPr lang="cs-CZ"/>
               <a:t>Kliknutím lze upravit styl.</a:t>
             </a:r>
-            <a:endParaRPr lang="cs-CZ"/>
           </a:p>
         </p:txBody>
       </p:sp>
@@ -367,38 +365,37 @@
           <a:p>
             <a:pPr lvl="0"/>
             <a:r>
-              <a:rPr lang="cs-CZ" smtClean="0"/>
+              <a:rPr lang="cs-CZ"/>
               <a:t>Upravte styly předlohy textu.</a:t>
             </a:r>
           </a:p>
           <a:p>
             <a:pPr lvl="1"/>
             <a:r>
-              <a:rPr lang="cs-CZ" smtClean="0"/>
+              <a:rPr lang="cs-CZ"/>
               <a:t>Druhá úroveň</a:t>
             </a:r>
           </a:p>
           <a:p>
             <a:pPr lvl="2"/>
             <a:r>
-              <a:rPr lang="cs-CZ" smtClean="0"/>
+              <a:rPr lang="cs-CZ"/>
               <a:t>Třetí úroveň</a:t>
             </a:r>
           </a:p>
           <a:p>
             <a:pPr lvl="3"/>
             <a:r>
-              <a:rPr lang="cs-CZ" smtClean="0"/>
+              <a:rPr lang="cs-CZ"/>
               <a:t>Čtvrtá úroveň</a:t>
             </a:r>
           </a:p>
           <a:p>
             <a:pPr lvl="4"/>
             <a:r>
-              <a:rPr lang="cs-CZ" smtClean="0"/>
+              <a:rPr lang="cs-CZ"/>
               <a:t>Pátá úroveň</a:t>
             </a:r>
-            <a:endParaRPr lang="cs-CZ"/>
           </a:p>
         </p:txBody>
       </p:sp>
@@ -419,7 +416,7 @@
           <a:p>
             <a:fld id="{48A87A34-81AB-432B-8DAE-1953F412C126}" type="datetimeFigureOut">
               <a:rPr lang="en-US" smtClean="0"/>
-              <a:t>1/15/2019</a:t>
+              <a:t>1/16/2019</a:t>
             </a:fld>
             <a:endParaRPr lang="en-US" dirty="0"/>
           </a:p>
@@ -518,10 +515,9 @@
           <a:lstStyle/>
           <a:p>
             <a:r>
-              <a:rPr lang="cs-CZ" smtClean="0"/>
+              <a:rPr lang="cs-CZ"/>
               <a:t>Kliknutím lze upravit styl.</a:t>
             </a:r>
-            <a:endParaRPr lang="cs-CZ"/>
           </a:p>
         </p:txBody>
       </p:sp>
@@ -547,38 +543,37 @@
           <a:p>
             <a:pPr lvl="0"/>
             <a:r>
-              <a:rPr lang="cs-CZ" smtClean="0"/>
+              <a:rPr lang="cs-CZ"/>
               <a:t>Upravte styly předlohy textu.</a:t>
             </a:r>
           </a:p>
           <a:p>
             <a:pPr lvl="1"/>
             <a:r>
-              <a:rPr lang="cs-CZ" smtClean="0"/>
+              <a:rPr lang="cs-CZ"/>
               <a:t>Druhá úroveň</a:t>
             </a:r>
           </a:p>
           <a:p>
             <a:pPr lvl="2"/>
             <a:r>
-              <a:rPr lang="cs-CZ" smtClean="0"/>
+              <a:rPr lang="cs-CZ"/>
               <a:t>Třetí úroveň</a:t>
             </a:r>
           </a:p>
           <a:p>
             <a:pPr lvl="3"/>
             <a:r>
-              <a:rPr lang="cs-CZ" smtClean="0"/>
+              <a:rPr lang="cs-CZ"/>
               <a:t>Čtvrtá úroveň</a:t>
             </a:r>
           </a:p>
           <a:p>
             <a:pPr lvl="4"/>
             <a:r>
-              <a:rPr lang="cs-CZ" smtClean="0"/>
+              <a:rPr lang="cs-CZ"/>
               <a:t>Pátá úroveň</a:t>
             </a:r>
-            <a:endParaRPr lang="cs-CZ"/>
           </a:p>
         </p:txBody>
       </p:sp>
@@ -600,7 +595,7 @@
             <a:fld id="{48A87A34-81AB-432B-8DAE-1953F412C126}" type="datetimeFigureOut">
               <a:rPr lang="en-US" smtClean="0"/>
               <a:pPr/>
-              <a:t>1/15/2019</a:t>
+              <a:t>1/16/2019</a:t>
             </a:fld>
             <a:endParaRPr lang="en-US" dirty="0"/>
           </a:p>
@@ -694,10 +689,9 @@
           <a:lstStyle/>
           <a:p>
             <a:r>
-              <a:rPr lang="cs-CZ" smtClean="0"/>
+              <a:rPr lang="cs-CZ"/>
               <a:t>Kliknutím lze upravit styl.</a:t>
             </a:r>
-            <a:endParaRPr lang="cs-CZ"/>
           </a:p>
         </p:txBody>
       </p:sp>
@@ -718,38 +712,37 @@
           <a:p>
             <a:pPr lvl="0"/>
             <a:r>
-              <a:rPr lang="cs-CZ" smtClean="0"/>
+              <a:rPr lang="cs-CZ"/>
               <a:t>Upravte styly předlohy textu.</a:t>
             </a:r>
           </a:p>
           <a:p>
             <a:pPr lvl="1"/>
             <a:r>
-              <a:rPr lang="cs-CZ" smtClean="0"/>
+              <a:rPr lang="cs-CZ"/>
               <a:t>Druhá úroveň</a:t>
             </a:r>
           </a:p>
           <a:p>
             <a:pPr lvl="2"/>
             <a:r>
-              <a:rPr lang="cs-CZ" smtClean="0"/>
+              <a:rPr lang="cs-CZ"/>
               <a:t>Třetí úroveň</a:t>
             </a:r>
           </a:p>
           <a:p>
             <a:pPr lvl="3"/>
             <a:r>
-              <a:rPr lang="cs-CZ" smtClean="0"/>
+              <a:rPr lang="cs-CZ"/>
               <a:t>Čtvrtá úroveň</a:t>
             </a:r>
           </a:p>
           <a:p>
             <a:pPr lvl="4"/>
             <a:r>
-              <a:rPr lang="cs-CZ" smtClean="0"/>
+              <a:rPr lang="cs-CZ"/>
               <a:t>Pátá úroveň</a:t>
             </a:r>
-            <a:endParaRPr lang="cs-CZ"/>
           </a:p>
         </p:txBody>
       </p:sp>
@@ -771,7 +764,7 @@
             <a:fld id="{48A87A34-81AB-432B-8DAE-1953F412C126}" type="datetimeFigureOut">
               <a:rPr lang="en-US" smtClean="0"/>
               <a:pPr/>
-              <a:t>1/15/2019</a:t>
+              <a:t>1/16/2019</a:t>
             </a:fld>
             <a:endParaRPr lang="en-US" dirty="0"/>
           </a:p>
@@ -875,10 +868,9 @@
           </a:lstStyle>
           <a:p>
             <a:r>
-              <a:rPr lang="cs-CZ" smtClean="0"/>
+              <a:rPr lang="cs-CZ"/>
               <a:t>Kliknutím lze upravit styl.</a:t>
             </a:r>
-            <a:endParaRPr lang="cs-CZ"/>
           </a:p>
         </p:txBody>
       </p:sp>
@@ -995,7 +987,7 @@
           <a:p>
             <a:pPr lvl="0"/>
             <a:r>
-              <a:rPr lang="cs-CZ" smtClean="0"/>
+              <a:rPr lang="cs-CZ"/>
               <a:t>Upravte styly předlohy textu.</a:t>
             </a:r>
           </a:p>
@@ -1019,7 +1011,7 @@
             <a:fld id="{48A87A34-81AB-432B-8DAE-1953F412C126}" type="datetimeFigureOut">
               <a:rPr lang="en-US" smtClean="0"/>
               <a:pPr/>
-              <a:t>1/15/2019</a:t>
+              <a:t>1/16/2019</a:t>
             </a:fld>
             <a:endParaRPr lang="en-US" dirty="0"/>
           </a:p>
@@ -1113,10 +1105,9 @@
           <a:lstStyle/>
           <a:p>
             <a:r>
-              <a:rPr lang="cs-CZ" smtClean="0"/>
+              <a:rPr lang="cs-CZ"/>
               <a:t>Kliknutím lze upravit styl.</a:t>
             </a:r>
-            <a:endParaRPr lang="cs-CZ"/>
           </a:p>
         </p:txBody>
       </p:sp>
@@ -1142,38 +1133,37 @@
           <a:p>
             <a:pPr lvl="0"/>
             <a:r>
-              <a:rPr lang="cs-CZ" smtClean="0"/>
+              <a:rPr lang="cs-CZ"/>
               <a:t>Upravte styly předlohy textu.</a:t>
             </a:r>
           </a:p>
           <a:p>
             <a:pPr lvl="1"/>
             <a:r>
-              <a:rPr lang="cs-CZ" smtClean="0"/>
+              <a:rPr lang="cs-CZ"/>
               <a:t>Druhá úroveň</a:t>
             </a:r>
           </a:p>
           <a:p>
             <a:pPr lvl="2"/>
             <a:r>
-              <a:rPr lang="cs-CZ" smtClean="0"/>
+              <a:rPr lang="cs-CZ"/>
               <a:t>Třetí úroveň</a:t>
             </a:r>
           </a:p>
           <a:p>
             <a:pPr lvl="3"/>
             <a:r>
-              <a:rPr lang="cs-CZ" smtClean="0"/>
+              <a:rPr lang="cs-CZ"/>
               <a:t>Čtvrtá úroveň</a:t>
             </a:r>
           </a:p>
           <a:p>
             <a:pPr lvl="4"/>
             <a:r>
-              <a:rPr lang="cs-CZ" smtClean="0"/>
+              <a:rPr lang="cs-CZ"/>
               <a:t>Pátá úroveň</a:t>
             </a:r>
-            <a:endParaRPr lang="cs-CZ"/>
           </a:p>
         </p:txBody>
       </p:sp>
@@ -1199,38 +1189,37 @@
           <a:p>
             <a:pPr lvl="0"/>
             <a:r>
-              <a:rPr lang="cs-CZ" smtClean="0"/>
+              <a:rPr lang="cs-CZ"/>
               <a:t>Upravte styly předlohy textu.</a:t>
             </a:r>
           </a:p>
           <a:p>
             <a:pPr lvl="1"/>
             <a:r>
-              <a:rPr lang="cs-CZ" smtClean="0"/>
+              <a:rPr lang="cs-CZ"/>
               <a:t>Druhá úroveň</a:t>
             </a:r>
           </a:p>
           <a:p>
             <a:pPr lvl="2"/>
             <a:r>
-              <a:rPr lang="cs-CZ" smtClean="0"/>
+              <a:rPr lang="cs-CZ"/>
               <a:t>Třetí úroveň</a:t>
             </a:r>
           </a:p>
           <a:p>
             <a:pPr lvl="3"/>
             <a:r>
-              <a:rPr lang="cs-CZ" smtClean="0"/>
+              <a:rPr lang="cs-CZ"/>
               <a:t>Čtvrtá úroveň</a:t>
             </a:r>
           </a:p>
           <a:p>
             <a:pPr lvl="4"/>
             <a:r>
-              <a:rPr lang="cs-CZ" smtClean="0"/>
+              <a:rPr lang="cs-CZ"/>
               <a:t>Pátá úroveň</a:t>
             </a:r>
-            <a:endParaRPr lang="cs-CZ"/>
           </a:p>
         </p:txBody>
       </p:sp>
@@ -1251,7 +1240,7 @@
           <a:p>
             <a:fld id="{48A87A34-81AB-432B-8DAE-1953F412C126}" type="datetimeFigureOut">
               <a:rPr lang="en-US" smtClean="0"/>
-              <a:t>1/15/2019</a:t>
+              <a:t>1/16/2019</a:t>
             </a:fld>
             <a:endParaRPr lang="en-US" dirty="0"/>
           </a:p>
@@ -1350,10 +1339,9 @@
           <a:lstStyle/>
           <a:p>
             <a:r>
-              <a:rPr lang="cs-CZ" smtClean="0"/>
+              <a:rPr lang="cs-CZ"/>
               <a:t>Kliknutím lze upravit styl.</a:t>
             </a:r>
-            <a:endParaRPr lang="cs-CZ"/>
           </a:p>
         </p:txBody>
       </p:sp>
@@ -1416,7 +1404,7 @@
           <a:p>
             <a:pPr lvl="0"/>
             <a:r>
-              <a:rPr lang="cs-CZ" smtClean="0"/>
+              <a:rPr lang="cs-CZ"/>
               <a:t>Upravte styly předlohy textu.</a:t>
             </a:r>
           </a:p>
@@ -1444,38 +1432,37 @@
           <a:p>
             <a:pPr lvl="0"/>
             <a:r>
-              <a:rPr lang="cs-CZ" smtClean="0"/>
+              <a:rPr lang="cs-CZ"/>
               <a:t>Upravte styly předlohy textu.</a:t>
             </a:r>
           </a:p>
           <a:p>
             <a:pPr lvl="1"/>
             <a:r>
-              <a:rPr lang="cs-CZ" smtClean="0"/>
+              <a:rPr lang="cs-CZ"/>
               <a:t>Druhá úroveň</a:t>
             </a:r>
           </a:p>
           <a:p>
             <a:pPr lvl="2"/>
             <a:r>
-              <a:rPr lang="cs-CZ" smtClean="0"/>
+              <a:rPr lang="cs-CZ"/>
               <a:t>Třetí úroveň</a:t>
             </a:r>
           </a:p>
           <a:p>
             <a:pPr lvl="3"/>
             <a:r>
-              <a:rPr lang="cs-CZ" smtClean="0"/>
+              <a:rPr lang="cs-CZ"/>
               <a:t>Čtvrtá úroveň</a:t>
             </a:r>
           </a:p>
           <a:p>
             <a:pPr lvl="4"/>
             <a:r>
-              <a:rPr lang="cs-CZ" smtClean="0"/>
+              <a:rPr lang="cs-CZ"/>
               <a:t>Pátá úroveň</a:t>
             </a:r>
-            <a:endParaRPr lang="cs-CZ"/>
           </a:p>
         </p:txBody>
       </p:sp>
@@ -1538,7 +1525,7 @@
           <a:p>
             <a:pPr lvl="0"/>
             <a:r>
-              <a:rPr lang="cs-CZ" smtClean="0"/>
+              <a:rPr lang="cs-CZ"/>
               <a:t>Upravte styly předlohy textu.</a:t>
             </a:r>
           </a:p>
@@ -1566,38 +1553,37 @@
           <a:p>
             <a:pPr lvl="0"/>
             <a:r>
-              <a:rPr lang="cs-CZ" smtClean="0"/>
+              <a:rPr lang="cs-CZ"/>
               <a:t>Upravte styly předlohy textu.</a:t>
             </a:r>
           </a:p>
           <a:p>
             <a:pPr lvl="1"/>
             <a:r>
-              <a:rPr lang="cs-CZ" smtClean="0"/>
+              <a:rPr lang="cs-CZ"/>
               <a:t>Druhá úroveň</a:t>
             </a:r>
           </a:p>
           <a:p>
             <a:pPr lvl="2"/>
             <a:r>
-              <a:rPr lang="cs-CZ" smtClean="0"/>
+              <a:rPr lang="cs-CZ"/>
               <a:t>Třetí úroveň</a:t>
             </a:r>
           </a:p>
           <a:p>
             <a:pPr lvl="3"/>
             <a:r>
-              <a:rPr lang="cs-CZ" smtClean="0"/>
+              <a:rPr lang="cs-CZ"/>
               <a:t>Čtvrtá úroveň</a:t>
             </a:r>
           </a:p>
           <a:p>
             <a:pPr lvl="4"/>
             <a:r>
-              <a:rPr lang="cs-CZ" smtClean="0"/>
+              <a:rPr lang="cs-CZ"/>
               <a:t>Pátá úroveň</a:t>
             </a:r>
-            <a:endParaRPr lang="cs-CZ"/>
           </a:p>
         </p:txBody>
       </p:sp>
@@ -1618,7 +1604,7 @@
           <a:p>
             <a:fld id="{48A87A34-81AB-432B-8DAE-1953F412C126}" type="datetimeFigureOut">
               <a:rPr lang="en-US" smtClean="0"/>
-              <a:t>1/15/2019</a:t>
+              <a:t>1/16/2019</a:t>
             </a:fld>
             <a:endParaRPr lang="en-US" dirty="0"/>
           </a:p>
@@ -1712,10 +1698,9 @@
           <a:lstStyle/>
           <a:p>
             <a:r>
-              <a:rPr lang="cs-CZ" smtClean="0"/>
+              <a:rPr lang="cs-CZ"/>
               <a:t>Kliknutím lze upravit styl.</a:t>
             </a:r>
-            <a:endParaRPr lang="cs-CZ"/>
           </a:p>
         </p:txBody>
       </p:sp>
@@ -1737,7 +1722,7 @@
             <a:fld id="{48A87A34-81AB-432B-8DAE-1953F412C126}" type="datetimeFigureOut">
               <a:rPr lang="en-US" smtClean="0"/>
               <a:pPr/>
-              <a:t>1/15/2019</a:t>
+              <a:t>1/16/2019</a:t>
             </a:fld>
             <a:endParaRPr lang="en-US" dirty="0"/>
           </a:p>
@@ -1833,7 +1818,7 @@
           <a:p>
             <a:fld id="{48A87A34-81AB-432B-8DAE-1953F412C126}" type="datetimeFigureOut">
               <a:rPr lang="en-US" smtClean="0"/>
-              <a:t>1/15/2019</a:t>
+              <a:t>1/16/2019</a:t>
             </a:fld>
             <a:endParaRPr lang="en-US" dirty="0"/>
           </a:p>
@@ -1936,10 +1921,9 @@
           </a:lstStyle>
           <a:p>
             <a:r>
-              <a:rPr lang="cs-CZ" smtClean="0"/>
+              <a:rPr lang="cs-CZ"/>
               <a:t>Kliknutím lze upravit styl.</a:t>
             </a:r>
-            <a:endParaRPr lang="cs-CZ"/>
           </a:p>
         </p:txBody>
       </p:sp>
@@ -1993,38 +1977,37 @@
           <a:p>
             <a:pPr lvl="0"/>
             <a:r>
-              <a:rPr lang="cs-CZ" smtClean="0"/>
+              <a:rPr lang="cs-CZ"/>
               <a:t>Upravte styly předlohy textu.</a:t>
             </a:r>
           </a:p>
           <a:p>
             <a:pPr lvl="1"/>
             <a:r>
-              <a:rPr lang="cs-CZ" smtClean="0"/>
+              <a:rPr lang="cs-CZ"/>
               <a:t>Druhá úroveň</a:t>
             </a:r>
           </a:p>
           <a:p>
             <a:pPr lvl="2"/>
             <a:r>
-              <a:rPr lang="cs-CZ" smtClean="0"/>
+              <a:rPr lang="cs-CZ"/>
               <a:t>Třetí úroveň</a:t>
             </a:r>
           </a:p>
           <a:p>
             <a:pPr lvl="3"/>
             <a:r>
-              <a:rPr lang="cs-CZ" smtClean="0"/>
+              <a:rPr lang="cs-CZ"/>
               <a:t>Čtvrtá úroveň</a:t>
             </a:r>
           </a:p>
           <a:p>
             <a:pPr lvl="4"/>
             <a:r>
-              <a:rPr lang="cs-CZ" smtClean="0"/>
+              <a:rPr lang="cs-CZ"/>
               <a:t>Pátá úroveň</a:t>
             </a:r>
-            <a:endParaRPr lang="cs-CZ"/>
           </a:p>
         </p:txBody>
       </p:sp>
@@ -2087,7 +2070,7 @@
           <a:p>
             <a:pPr lvl="0"/>
             <a:r>
-              <a:rPr lang="cs-CZ" smtClean="0"/>
+              <a:rPr lang="cs-CZ"/>
               <a:t>Upravte styly předlohy textu.</a:t>
             </a:r>
           </a:p>
@@ -2110,7 +2093,7 @@
           <a:p>
             <a:fld id="{48A87A34-81AB-432B-8DAE-1953F412C126}" type="datetimeFigureOut">
               <a:rPr lang="en-US" smtClean="0"/>
-              <a:t>1/15/2019</a:t>
+              <a:t>1/16/2019</a:t>
             </a:fld>
             <a:endParaRPr lang="en-US" dirty="0"/>
           </a:p>
@@ -2213,10 +2196,9 @@
           </a:lstStyle>
           <a:p>
             <a:r>
-              <a:rPr lang="cs-CZ" smtClean="0"/>
+              <a:rPr lang="cs-CZ"/>
               <a:t>Kliknutím lze upravit styl.</a:t>
             </a:r>
-            <a:endParaRPr lang="cs-CZ"/>
           </a:p>
         </p:txBody>
       </p:sp>
@@ -2340,7 +2322,7 @@
           <a:p>
             <a:pPr lvl="0"/>
             <a:r>
-              <a:rPr lang="cs-CZ" smtClean="0"/>
+              <a:rPr lang="cs-CZ"/>
               <a:t>Upravte styly předlohy textu.</a:t>
             </a:r>
           </a:p>
@@ -2363,7 +2345,7 @@
           <a:p>
             <a:fld id="{48A87A34-81AB-432B-8DAE-1953F412C126}" type="datetimeFigureOut">
               <a:rPr lang="en-US" smtClean="0"/>
-              <a:t>1/15/2019</a:t>
+              <a:t>1/16/2019</a:t>
             </a:fld>
             <a:endParaRPr lang="en-US" dirty="0"/>
           </a:p>
@@ -2472,10 +2454,9 @@
           <a:lstStyle/>
           <a:p>
             <a:r>
-              <a:rPr lang="cs-CZ" smtClean="0"/>
+              <a:rPr lang="cs-CZ"/>
               <a:t>Kliknutím lze upravit styl.</a:t>
             </a:r>
-            <a:endParaRPr lang="cs-CZ"/>
           </a:p>
         </p:txBody>
       </p:sp>
@@ -2506,38 +2487,37 @@
           <a:p>
             <a:pPr lvl="0"/>
             <a:r>
-              <a:rPr lang="cs-CZ" smtClean="0"/>
+              <a:rPr lang="cs-CZ"/>
               <a:t>Upravte styly předlohy textu.</a:t>
             </a:r>
           </a:p>
           <a:p>
             <a:pPr lvl="1"/>
             <a:r>
-              <a:rPr lang="cs-CZ" smtClean="0"/>
+              <a:rPr lang="cs-CZ"/>
               <a:t>Druhá úroveň</a:t>
             </a:r>
           </a:p>
           <a:p>
             <a:pPr lvl="2"/>
             <a:r>
-              <a:rPr lang="cs-CZ" smtClean="0"/>
+              <a:rPr lang="cs-CZ"/>
               <a:t>Třetí úroveň</a:t>
             </a:r>
           </a:p>
           <a:p>
             <a:pPr lvl="3"/>
             <a:r>
-              <a:rPr lang="cs-CZ" smtClean="0"/>
+              <a:rPr lang="cs-CZ"/>
               <a:t>Čtvrtá úroveň</a:t>
             </a:r>
           </a:p>
           <a:p>
             <a:pPr lvl="4"/>
             <a:r>
-              <a:rPr lang="cs-CZ" smtClean="0"/>
+              <a:rPr lang="cs-CZ"/>
               <a:t>Pátá úroveň</a:t>
             </a:r>
-            <a:endParaRPr lang="cs-CZ"/>
           </a:p>
         </p:txBody>
       </p:sp>
@@ -2577,7 +2557,7 @@
             <a:fld id="{48A87A34-81AB-432B-8DAE-1953F412C126}" type="datetimeFigureOut">
               <a:rPr lang="en-US" smtClean="0"/>
               <a:pPr/>
-              <a:t>1/15/2019</a:t>
+              <a:t>1/16/2019</a:t>
             </a:fld>
             <a:endParaRPr lang="en-US" dirty="0"/>
           </a:p>
@@ -3001,14 +2981,11 @@
           <a:lstStyle/>
           <a:p>
             <a:r>
-              <a:rPr lang="cs-CZ" sz="7200" dirty="0" smtClean="0">
+              <a:rPr lang="cs-CZ" sz="7200" dirty="0">
                 <a:latin typeface="Gill Sans MT" panose="020B0502020104020203" pitchFamily="34" charset="-18"/>
               </a:rPr>
               <a:t>WARFRAME CODEX</a:t>
             </a:r>
-            <a:endParaRPr lang="cs-CZ" sz="7200" dirty="0">
-              <a:latin typeface="Gill Sans MT" panose="020B0502020104020203" pitchFamily="34" charset="-18"/>
-            </a:endParaRPr>
           </a:p>
         </p:txBody>
       </p:sp>
@@ -3030,14 +3007,11 @@
           <a:lstStyle/>
           <a:p>
             <a:r>
-              <a:rPr lang="cs-CZ" sz="3200" dirty="0" smtClean="0">
+              <a:rPr lang="cs-CZ" sz="3200" dirty="0">
                 <a:latin typeface="Gill Sans MT" panose="020B0502020104020203" pitchFamily="34" charset="-18"/>
               </a:rPr>
               <a:t>Mobilní aplikace pro android</a:t>
             </a:r>
-            <a:endParaRPr lang="cs-CZ" sz="3200" dirty="0">
-              <a:latin typeface="Gill Sans MT" panose="020B0502020104020203" pitchFamily="34" charset="-18"/>
-            </a:endParaRPr>
           </a:p>
         </p:txBody>
       </p:sp>
@@ -3131,13 +3105,6 @@
   <p:clrMapOvr>
     <a:masterClrMapping/>
   </p:clrMapOvr>
-  <p:timing>
-    <p:tnLst>
-      <p:par>
-        <p:cTn id="1" dur="indefinite" restart="never" nodeType="tmRoot"/>
-      </p:par>
-    </p:tnLst>
-  </p:timing>
 </p:sld>
 </file>
 
@@ -3160,7 +3127,38 @@
       </p:grpSpPr>
       <p:sp>
         <p:nvSpPr>
-          <p:cNvPr id="3" name="Zástupný symbol pro obsah 2"/>
+          <p:cNvPr id="2" name="Nadpis 1">
+            <a:extLst>
+              <a:ext uri="{FF2B5EF4-FFF2-40B4-BE49-F238E27FC236}">
+                <a16:creationId xmlns:a16="http://schemas.microsoft.com/office/drawing/2014/main" id="{79B052E9-784B-4527-B369-D4A20D58E48C}"/>
+              </a:ext>
+            </a:extLst>
+          </p:cNvPr>
+          <p:cNvSpPr>
+            <a:spLocks noGrp="1"/>
+          </p:cNvSpPr>
+          <p:nvPr>
+            <p:ph type="title"/>
+          </p:nvPr>
+        </p:nvSpPr>
+        <p:spPr/>
+        <p:txBody>
+          <a:bodyPr/>
+          <a:lstStyle/>
+          <a:p>
+            <a:endParaRPr lang="en-GB"/>
+          </a:p>
+        </p:txBody>
+      </p:sp>
+      <p:sp>
+        <p:nvSpPr>
+          <p:cNvPr id="3" name="Zástupný obsah 2">
+            <a:extLst>
+              <a:ext uri="{FF2B5EF4-FFF2-40B4-BE49-F238E27FC236}">
+                <a16:creationId xmlns:a16="http://schemas.microsoft.com/office/drawing/2014/main" id="{64BB5538-1016-47C5-A45A-7CC09E992A5D}"/>
+              </a:ext>
+            </a:extLst>
+          </p:cNvPr>
           <p:cNvSpPr>
             <a:spLocks noGrp="1"/>
           </p:cNvSpPr>
@@ -3170,7 +3168,7 @@
         </p:nvSpPr>
         <p:spPr>
           <a:xfrm>
-            <a:off x="779206" y="2258245"/>
+            <a:off x="838200" y="2290944"/>
             <a:ext cx="10515600" cy="4351338"/>
           </a:xfrm>
         </p:spPr>
@@ -3180,80 +3178,51 @@
           </a:bodyPr>
           <a:lstStyle/>
           <a:p>
-            <a:pPr algn="just"/>
-            <a:r>
-              <a:rPr lang="cs-CZ" sz="4800" dirty="0" smtClean="0">
+            <a:r>
+              <a:rPr lang="cs-CZ" sz="4800" dirty="0">
                 <a:latin typeface="Gill Sans MT" panose="020B0502020104020203" pitchFamily="34" charset="-18"/>
-                <a:cs typeface="Times New Roman" panose="02020603050405020304" pitchFamily="18" charset="0"/>
               </a:rPr>
-              <a:t>Co to je?</a:t>
-            </a:r>
-          </a:p>
-          <a:p>
-            <a:pPr algn="just"/>
-            <a:r>
-              <a:rPr lang="cs-CZ" sz="4800" dirty="0" smtClean="0">
+              <a:t>Vytvoření funkční mobilní aplikace</a:t>
+            </a:r>
+          </a:p>
+          <a:p>
+            <a:pPr lvl="1"/>
+            <a:r>
+              <a:rPr lang="cs-CZ" sz="4800" dirty="0" err="1">
                 <a:latin typeface="Gill Sans MT" panose="020B0502020104020203" pitchFamily="34" charset="-18"/>
-                <a:cs typeface="Times New Roman" panose="02020603050405020304" pitchFamily="18" charset="0"/>
               </a:rPr>
-              <a:t>Výhody</a:t>
-            </a:r>
-          </a:p>
-          <a:p>
-            <a:pPr algn="just"/>
-            <a:r>
-              <a:rPr lang="cs-CZ" sz="4800" dirty="0" smtClean="0">
+              <a:t>Parsování</a:t>
+            </a:r>
+            <a:r>
+              <a:rPr lang="cs-CZ" sz="4800" dirty="0">
                 <a:latin typeface="Gill Sans MT" panose="020B0502020104020203" pitchFamily="34" charset="-18"/>
-                <a:cs typeface="Times New Roman" panose="02020603050405020304" pitchFamily="18" charset="0"/>
               </a:rPr>
-              <a:t>Nevýhody</a:t>
-            </a:r>
-          </a:p>
-          <a:p>
-            <a:pPr algn="just"/>
-            <a:r>
-              <a:rPr lang="cs-CZ" sz="4800" dirty="0" err="1" smtClean="0">
+              <a:t> JSON souborů</a:t>
+            </a:r>
+          </a:p>
+          <a:p>
+            <a:pPr lvl="1"/>
+            <a:r>
+              <a:rPr lang="cs-CZ" sz="4800" dirty="0">
                 <a:latin typeface="Gill Sans MT" panose="020B0502020104020203" pitchFamily="34" charset="-18"/>
-                <a:cs typeface="Times New Roman" panose="02020603050405020304" pitchFamily="18" charset="0"/>
               </a:rPr>
-              <a:t>Visual</a:t>
-            </a:r>
-            <a:r>
-              <a:rPr lang="cs-CZ" sz="4800" dirty="0" smtClean="0">
-                <a:latin typeface="Gill Sans MT" panose="020B0502020104020203" pitchFamily="34" charset="-18"/>
-                <a:cs typeface="Times New Roman" panose="02020603050405020304" pitchFamily="18" charset="0"/>
-              </a:rPr>
-              <a:t> Studio</a:t>
-            </a:r>
-          </a:p>
-          <a:p>
-            <a:pPr algn="just"/>
-            <a:endParaRPr lang="cs-CZ" dirty="0"/>
-          </a:p>
-        </p:txBody>
-      </p:sp>
-      <p:sp>
-        <p:nvSpPr>
-          <p:cNvPr id="8" name="Nadpis 7"/>
-          <p:cNvSpPr>
-            <a:spLocks noGrp="1"/>
-          </p:cNvSpPr>
-          <p:nvPr>
-            <p:ph type="title"/>
-          </p:nvPr>
-        </p:nvSpPr>
-        <p:spPr/>
-        <p:txBody>
-          <a:bodyPr/>
-          <a:lstStyle/>
-          <a:p>
-            <a:endParaRPr lang="cs-CZ" dirty="0"/>
-          </a:p>
-        </p:txBody>
-      </p:sp>
-      <p:sp>
-        <p:nvSpPr>
-          <p:cNvPr id="9" name="Nadpis 1"/>
+              <a:t>Přehledný výpis dat</a:t>
+            </a:r>
+            <a:endParaRPr lang="en-GB" sz="4800" dirty="0">
+              <a:latin typeface="Gill Sans MT" panose="020B0502020104020203" pitchFamily="34" charset="-18"/>
+            </a:endParaRPr>
+          </a:p>
+        </p:txBody>
+      </p:sp>
+      <p:sp>
+        <p:nvSpPr>
+          <p:cNvPr id="4" name="Nadpis 1">
+            <a:extLst>
+              <a:ext uri="{FF2B5EF4-FFF2-40B4-BE49-F238E27FC236}">
+                <a16:creationId xmlns:a16="http://schemas.microsoft.com/office/drawing/2014/main" id="{41323E51-CF00-41C9-96F2-AFD2AE364730}"/>
+              </a:ext>
+            </a:extLst>
+          </p:cNvPr>
           <p:cNvSpPr txBox="1">
             <a:spLocks/>
           </p:cNvSpPr>
@@ -3297,28 +3266,27 @@
           <a:p>
             <a:pPr algn="ctr"/>
             <a:r>
-              <a:rPr lang="cs-CZ" sz="4800" dirty="0" smtClean="0">
+              <a:rPr lang="cs-CZ" sz="4800" dirty="0">
                 <a:solidFill>
                   <a:schemeClr val="bg1"/>
                 </a:solidFill>
                 <a:latin typeface="Gill Sans MT" panose="020B0502020104020203" pitchFamily="34" charset="-18"/>
                 <a:cs typeface="Times New Roman" panose="02020603050405020304" pitchFamily="18" charset="0"/>
               </a:rPr>
-              <a:t>ANDROID STUDIO</a:t>
-            </a:r>
-            <a:endParaRPr lang="cs-CZ" sz="4800" dirty="0">
-              <a:solidFill>
-                <a:schemeClr val="bg1"/>
-              </a:solidFill>
-              <a:latin typeface="Gill Sans MT" panose="020B0502020104020203" pitchFamily="34" charset="-18"/>
-              <a:cs typeface="Times New Roman" panose="02020603050405020304" pitchFamily="18" charset="0"/>
-            </a:endParaRPr>
-          </a:p>
-        </p:txBody>
-      </p:sp>
-      <p:sp>
-        <p:nvSpPr>
-          <p:cNvPr id="13" name="Obdélník 12"/>
+              <a:t>CÍLE PROJEKTU</a:t>
+            </a:r>
+          </a:p>
+        </p:txBody>
+      </p:sp>
+      <p:sp>
+        <p:nvSpPr>
+          <p:cNvPr id="5" name="Obdélník 4">
+            <a:extLst>
+              <a:ext uri="{FF2B5EF4-FFF2-40B4-BE49-F238E27FC236}">
+                <a16:creationId xmlns:a16="http://schemas.microsoft.com/office/drawing/2014/main" id="{CBF844DB-5EA3-4FAE-A2F3-11679894E6A3}"/>
+              </a:ext>
+            </a:extLst>
+          </p:cNvPr>
           <p:cNvSpPr/>
           <p:nvPr/>
         </p:nvSpPr>
@@ -3358,7 +3326,13 @@
       </p:sp>
       <p:sp>
         <p:nvSpPr>
-          <p:cNvPr id="14" name="Obdélník 13"/>
+          <p:cNvPr id="6" name="Obdélník 5">
+            <a:extLst>
+              <a:ext uri="{FF2B5EF4-FFF2-40B4-BE49-F238E27FC236}">
+                <a16:creationId xmlns:a16="http://schemas.microsoft.com/office/drawing/2014/main" id="{48A1EB13-18A0-4337-A7BD-C2D046F2735D}"/>
+              </a:ext>
+            </a:extLst>
+          </p:cNvPr>
           <p:cNvSpPr/>
           <p:nvPr/>
         </p:nvSpPr>
@@ -3407,20 +3381,13 @@
     </p:spTree>
     <p:extLst>
       <p:ext uri="{BB962C8B-B14F-4D97-AF65-F5344CB8AC3E}">
-        <p14:creationId xmlns:p14="http://schemas.microsoft.com/office/powerpoint/2010/main" val="1329218037"/>
+        <p14:creationId xmlns:p14="http://schemas.microsoft.com/office/powerpoint/2010/main" val="4156332867"/>
       </p:ext>
     </p:extLst>
   </p:cSld>
   <p:clrMapOvr>
     <a:masterClrMapping/>
   </p:clrMapOvr>
-  <p:timing>
-    <p:tnLst>
-      <p:par>
-        <p:cTn id="1" dur="indefinite" restart="never" nodeType="tmRoot"/>
-      </p:par>
-    </p:tnLst>
-  </p:timing>
 </p:sld>
 </file>
 
@@ -3453,8 +3420,8 @@
         </p:nvSpPr>
         <p:spPr>
           <a:xfrm>
-            <a:off x="838200" y="2526889"/>
-            <a:ext cx="10515600" cy="3650073"/>
+            <a:off x="779206" y="2258245"/>
+            <a:ext cx="10515600" cy="4351338"/>
           </a:xfrm>
         </p:spPr>
         <p:txBody>
@@ -3463,37 +3430,61 @@
           </a:bodyPr>
           <a:lstStyle/>
           <a:p>
-            <a:r>
-              <a:rPr lang="cs-CZ" sz="4800" dirty="0" smtClean="0">
+            <a:pPr algn="just"/>
+            <a:r>
+              <a:rPr lang="cs-CZ" sz="4800" dirty="0">
                 <a:latin typeface="Gill Sans MT" panose="020B0502020104020203" pitchFamily="34" charset="-18"/>
+                <a:cs typeface="Times New Roman" panose="02020603050405020304" pitchFamily="18" charset="0"/>
               </a:rPr>
               <a:t>Co to je?</a:t>
             </a:r>
           </a:p>
           <a:p>
-            <a:r>
-              <a:rPr lang="cs-CZ" sz="4800" dirty="0" smtClean="0">
+            <a:pPr algn="just"/>
+            <a:r>
+              <a:rPr lang="cs-CZ" sz="4800" dirty="0">
                 <a:latin typeface="Gill Sans MT" panose="020B0502020104020203" pitchFamily="34" charset="-18"/>
+                <a:cs typeface="Times New Roman" panose="02020603050405020304" pitchFamily="18" charset="0"/>
               </a:rPr>
-              <a:t>Jak jsem je použil.</a:t>
-            </a:r>
-          </a:p>
-          <a:p>
-            <a:r>
-              <a:rPr lang="cs-CZ" sz="4800" dirty="0" smtClean="0">
+              <a:t>Výhody</a:t>
+            </a:r>
+          </a:p>
+          <a:p>
+            <a:pPr algn="just"/>
+            <a:r>
+              <a:rPr lang="cs-CZ" sz="4800" dirty="0">
                 <a:latin typeface="Gill Sans MT" panose="020B0502020104020203" pitchFamily="34" charset="-18"/>
+                <a:cs typeface="Times New Roman" panose="02020603050405020304" pitchFamily="18" charset="0"/>
               </a:rPr>
-              <a:t>Proč tenhle typ?</a:t>
-            </a:r>
-          </a:p>
-          <a:p>
-            <a:endParaRPr lang="cs-CZ" sz="3600" dirty="0"/>
-          </a:p>
-        </p:txBody>
-      </p:sp>
-      <p:sp>
-        <p:nvSpPr>
-          <p:cNvPr id="10" name="Nadpis 9"/>
+              <a:t>Nevýhody</a:t>
+            </a:r>
+          </a:p>
+          <a:p>
+            <a:pPr algn="just"/>
+            <a:r>
+              <a:rPr lang="cs-CZ" sz="4800" dirty="0" err="1">
+                <a:latin typeface="Gill Sans MT" panose="020B0502020104020203" pitchFamily="34" charset="-18"/>
+                <a:cs typeface="Times New Roman" panose="02020603050405020304" pitchFamily="18" charset="0"/>
+              </a:rPr>
+              <a:t>Visual</a:t>
+            </a:r>
+            <a:r>
+              <a:rPr lang="cs-CZ" sz="4800" dirty="0">
+                <a:latin typeface="Gill Sans MT" panose="020B0502020104020203" pitchFamily="34" charset="-18"/>
+                <a:cs typeface="Times New Roman" panose="02020603050405020304" pitchFamily="18" charset="0"/>
+              </a:rPr>
+              <a:t> Studio</a:t>
+            </a:r>
+          </a:p>
+          <a:p>
+            <a:pPr algn="just"/>
+            <a:endParaRPr lang="cs-CZ" dirty="0"/>
+          </a:p>
+        </p:txBody>
+      </p:sp>
+      <p:sp>
+        <p:nvSpPr>
+          <p:cNvPr id="8" name="Nadpis 7"/>
           <p:cNvSpPr>
             <a:spLocks noGrp="1"/>
           </p:cNvSpPr>
@@ -3506,13 +3497,13 @@
           <a:bodyPr/>
           <a:lstStyle/>
           <a:p>
-            <a:endParaRPr lang="cs-CZ"/>
-          </a:p>
-        </p:txBody>
-      </p:sp>
-      <p:sp>
-        <p:nvSpPr>
-          <p:cNvPr id="11" name="Nadpis 1"/>
+            <a:endParaRPr lang="cs-CZ" dirty="0"/>
+          </a:p>
+        </p:txBody>
+      </p:sp>
+      <p:sp>
+        <p:nvSpPr>
+          <p:cNvPr id="9" name="Nadpis 1"/>
           <p:cNvSpPr txBox="1">
             <a:spLocks/>
           </p:cNvSpPr>
@@ -3556,28 +3547,21 @@
           <a:p>
             <a:pPr algn="ctr"/>
             <a:r>
-              <a:rPr lang="cs-CZ" sz="4800" dirty="0" smtClean="0">
+              <a:rPr lang="cs-CZ" sz="4800" dirty="0">
                 <a:solidFill>
                   <a:schemeClr val="bg1"/>
                 </a:solidFill>
                 <a:latin typeface="Gill Sans MT" panose="020B0502020104020203" pitchFamily="34" charset="-18"/>
                 <a:cs typeface="Times New Roman" panose="02020603050405020304" pitchFamily="18" charset="0"/>
               </a:rPr>
-              <a:t>JSON SOUBORY</a:t>
-            </a:r>
-            <a:endParaRPr lang="cs-CZ" sz="4800" dirty="0">
-              <a:solidFill>
-                <a:schemeClr val="bg1"/>
-              </a:solidFill>
-              <a:latin typeface="Gill Sans MT" panose="020B0502020104020203" pitchFamily="34" charset="-18"/>
-              <a:cs typeface="Times New Roman" panose="02020603050405020304" pitchFamily="18" charset="0"/>
-            </a:endParaRPr>
-          </a:p>
-        </p:txBody>
-      </p:sp>
-      <p:sp>
-        <p:nvSpPr>
-          <p:cNvPr id="12" name="Obdélník 11"/>
+              <a:t>ANDROID STUDIO</a:t>
+            </a:r>
+          </a:p>
+        </p:txBody>
+      </p:sp>
+      <p:sp>
+        <p:nvSpPr>
+          <p:cNvPr id="13" name="Obdélník 12"/>
           <p:cNvSpPr/>
           <p:nvPr/>
         </p:nvSpPr>
@@ -3617,14 +3601,14 @@
       </p:sp>
       <p:sp>
         <p:nvSpPr>
-          <p:cNvPr id="13" name="Obdélník 12"/>
+          <p:cNvPr id="14" name="Obdélník 13"/>
           <p:cNvSpPr/>
           <p:nvPr/>
         </p:nvSpPr>
         <p:spPr>
           <a:xfrm>
-            <a:off x="9507794" y="1415845"/>
-            <a:ext cx="1846006" cy="157316"/>
+            <a:off x="0" y="1415845"/>
+            <a:ext cx="12192000" cy="137850"/>
           </a:xfrm>
           <a:prstGeom prst="rect">
             <a:avLst/>
@@ -3663,111 +3647,16 @@
           </a:p>
         </p:txBody>
       </p:sp>
-      <p:sp>
-        <p:nvSpPr>
-          <p:cNvPr id="14" name="Obdélník 13"/>
-          <p:cNvSpPr/>
-          <p:nvPr/>
-        </p:nvSpPr>
-        <p:spPr>
-          <a:xfrm rot="3015449">
-            <a:off x="6888721" y="-256015"/>
-            <a:ext cx="4478637" cy="107166"/>
-          </a:xfrm>
-          <a:prstGeom prst="rect">
-            <a:avLst/>
-          </a:prstGeom>
-        </p:spPr>
-        <p:style>
-          <a:lnRef idx="2">
-            <a:schemeClr val="accent4">
-              <a:shade val="50000"/>
-            </a:schemeClr>
-          </a:lnRef>
-          <a:fillRef idx="1">
-            <a:schemeClr val="accent4"/>
-          </a:fillRef>
-          <a:effectRef idx="0">
-            <a:schemeClr val="accent4"/>
-          </a:effectRef>
-          <a:fontRef idx="minor">
-            <a:schemeClr val="lt1"/>
-          </a:fontRef>
-        </p:style>
-        <p:txBody>
-          <a:bodyPr rtlCol="0" anchor="ctr"/>
-          <a:lstStyle/>
-          <a:p>
-            <a:pPr algn="ctr"/>
-            <a:endParaRPr lang="cs-CZ"/>
-          </a:p>
-        </p:txBody>
-      </p:sp>
-      <p:sp>
-        <p:nvSpPr>
-          <p:cNvPr id="15" name="Obdélník 14"/>
-          <p:cNvSpPr/>
-          <p:nvPr/>
-        </p:nvSpPr>
-        <p:spPr>
-          <a:xfrm>
-            <a:off x="0" y="1415845"/>
-            <a:ext cx="12192000" cy="137850"/>
-          </a:xfrm>
-          <a:prstGeom prst="rect">
-            <a:avLst/>
-          </a:prstGeom>
-          <a:solidFill>
-            <a:schemeClr val="bg1"/>
-          </a:solidFill>
-          <a:ln>
-            <a:solidFill>
-              <a:schemeClr val="bg1"/>
-            </a:solidFill>
-          </a:ln>
-        </p:spPr>
-        <p:style>
-          <a:lnRef idx="2">
-            <a:schemeClr val="accent1">
-              <a:shade val="50000"/>
-            </a:schemeClr>
-          </a:lnRef>
-          <a:fillRef idx="1">
-            <a:schemeClr val="accent1"/>
-          </a:fillRef>
-          <a:effectRef idx="0">
-            <a:schemeClr val="accent1"/>
-          </a:effectRef>
-          <a:fontRef idx="minor">
-            <a:schemeClr val="lt1"/>
-          </a:fontRef>
-        </p:style>
-        <p:txBody>
-          <a:bodyPr rtlCol="0" anchor="ctr"/>
-          <a:lstStyle/>
-          <a:p>
-            <a:pPr algn="ctr"/>
-            <a:endParaRPr lang="cs-CZ"/>
-          </a:p>
-        </p:txBody>
-      </p:sp>
     </p:spTree>
     <p:extLst>
       <p:ext uri="{BB962C8B-B14F-4D97-AF65-F5344CB8AC3E}">
-        <p14:creationId xmlns:p14="http://schemas.microsoft.com/office/powerpoint/2010/main" val="3175934817"/>
+        <p14:creationId xmlns:p14="http://schemas.microsoft.com/office/powerpoint/2010/main" val="1329218037"/>
       </p:ext>
     </p:extLst>
   </p:cSld>
   <p:clrMapOvr>
     <a:masterClrMapping/>
   </p:clrMapOvr>
-  <p:timing>
-    <p:tnLst>
-      <p:par>
-        <p:cTn id="1" dur="indefinite" restart="never" nodeType="tmRoot"/>
-      </p:par>
-    </p:tnLst>
-  </p:timing>
 </p:sld>
 </file>
 
@@ -3800,79 +3689,56 @@
         </p:nvSpPr>
         <p:spPr>
           <a:xfrm>
-            <a:off x="838200" y="2290915"/>
-            <a:ext cx="10515600" cy="3886047"/>
+            <a:off x="838200" y="2466565"/>
+            <a:ext cx="10515600" cy="3650073"/>
           </a:xfrm>
         </p:spPr>
         <p:txBody>
           <a:bodyPr>
-            <a:noAutofit/>
+            <a:normAutofit/>
           </a:bodyPr>
           <a:lstStyle/>
           <a:p>
-            <a:r>
-              <a:rPr lang="cs-CZ" sz="4800" dirty="0" smtClean="0">
-                <a:latin typeface="Gill Sans MT" panose="020B0502020104020203" pitchFamily="34" charset="-18"/>
-              </a:rPr>
-              <a:t>Povolení Internetu</a:t>
-            </a:r>
-          </a:p>
-          <a:p>
-            <a:r>
-              <a:rPr lang="cs-CZ" sz="4800" dirty="0" err="1">
-                <a:latin typeface="Gill Sans MT" panose="020B0502020104020203" pitchFamily="34" charset="-18"/>
-              </a:rPr>
-              <a:t>Parsování</a:t>
-            </a:r>
             <a:r>
               <a:rPr lang="cs-CZ" sz="4800" dirty="0">
                 <a:latin typeface="Gill Sans MT" panose="020B0502020104020203" pitchFamily="34" charset="-18"/>
               </a:rPr>
-              <a:t> JSON </a:t>
-            </a:r>
-            <a:r>
-              <a:rPr lang="cs-CZ" sz="4800" dirty="0" smtClean="0">
+              <a:t>Co to je?</a:t>
+            </a:r>
+          </a:p>
+          <a:p>
+            <a:r>
+              <a:rPr lang="cs-CZ" sz="4800" dirty="0">
                 <a:latin typeface="Gill Sans MT" panose="020B0502020104020203" pitchFamily="34" charset="-18"/>
               </a:rPr>
-              <a:t>souborů</a:t>
-            </a:r>
-            <a:endParaRPr lang="cs-CZ" sz="4800" dirty="0" smtClean="0">
+              <a:t>Jak jsem </a:t>
+            </a:r>
+            <a:r>
+              <a:rPr lang="cs-CZ" sz="4800">
+                <a:latin typeface="Gill Sans MT" panose="020B0502020104020203" pitchFamily="34" charset="-18"/>
+              </a:rPr>
+              <a:t>je použil</a:t>
+            </a:r>
+            <a:endParaRPr lang="cs-CZ" sz="4800" dirty="0">
               <a:latin typeface="Gill Sans MT" panose="020B0502020104020203" pitchFamily="34" charset="-18"/>
             </a:endParaRPr>
           </a:p>
           <a:p>
             <a:r>
-              <a:rPr lang="cs-CZ" sz="4800" dirty="0" smtClean="0">
+              <a:rPr lang="cs-CZ" sz="4800" dirty="0">
                 <a:latin typeface="Gill Sans MT" panose="020B0502020104020203" pitchFamily="34" charset="-18"/>
               </a:rPr>
-              <a:t>Indexování</a:t>
-            </a:r>
-            <a:endParaRPr lang="cs-CZ" sz="4800" dirty="0" smtClean="0">
-              <a:latin typeface="Gill Sans MT" panose="020B0502020104020203" pitchFamily="34" charset="-18"/>
-            </a:endParaRPr>
-          </a:p>
-          <a:p>
-            <a:r>
-              <a:rPr lang="cs-CZ" sz="4800" dirty="0" smtClean="0">
-                <a:latin typeface="Gill Sans MT" panose="020B0502020104020203" pitchFamily="34" charset="-18"/>
-              </a:rPr>
-              <a:t>Přeposílání </a:t>
-            </a:r>
-            <a:r>
-              <a:rPr lang="cs-CZ" sz="4800" dirty="0" smtClean="0">
-                <a:latin typeface="Gill Sans MT" panose="020B0502020104020203" pitchFamily="34" charset="-18"/>
-              </a:rPr>
-              <a:t>dat</a:t>
-            </a:r>
-            <a:endParaRPr lang="cs-CZ" sz="4800" dirty="0" smtClean="0">
-              <a:latin typeface="Gill Sans MT" panose="020B0502020104020203" pitchFamily="34" charset="-18"/>
-            </a:endParaRPr>
-          </a:p>
-        </p:txBody>
-      </p:sp>
-      <p:sp>
-        <p:nvSpPr>
-          <p:cNvPr id="9" name="Nadpis 8"/>
+              <a:t>Proč tenhle typ?</a:t>
+            </a:r>
+          </a:p>
+          <a:p>
+            <a:endParaRPr lang="cs-CZ" sz="3600" dirty="0"/>
+          </a:p>
+        </p:txBody>
+      </p:sp>
+      <p:sp>
+        <p:nvSpPr>
+          <p:cNvPr id="10" name="Nadpis 9"/>
           <p:cNvSpPr>
             <a:spLocks noGrp="1"/>
           </p:cNvSpPr>
@@ -3885,13 +3751,13 @@
           <a:bodyPr/>
           <a:lstStyle/>
           <a:p>
-            <a:endParaRPr lang="cs-CZ" dirty="0"/>
-          </a:p>
-        </p:txBody>
-      </p:sp>
-      <p:sp>
-        <p:nvSpPr>
-          <p:cNvPr id="10" name="Nadpis 1"/>
+            <a:endParaRPr lang="cs-CZ"/>
+          </a:p>
+        </p:txBody>
+      </p:sp>
+      <p:sp>
+        <p:nvSpPr>
+          <p:cNvPr id="11" name="Nadpis 1"/>
           <p:cNvSpPr txBox="1">
             <a:spLocks/>
           </p:cNvSpPr>
@@ -3935,34 +3801,67 @@
           <a:p>
             <a:pPr algn="ctr"/>
             <a:r>
-              <a:rPr lang="cs-CZ" sz="4800" dirty="0" smtClean="0">
+              <a:rPr lang="cs-CZ" sz="4800" dirty="0">
                 <a:solidFill>
                   <a:schemeClr val="bg1"/>
                 </a:solidFill>
                 <a:latin typeface="Gill Sans MT" panose="020B0502020104020203" pitchFamily="34" charset="-18"/>
                 <a:cs typeface="Times New Roman" panose="02020603050405020304" pitchFamily="18" charset="0"/>
               </a:rPr>
-              <a:t>VYŘEŠENÁ PROBLEMATIKA</a:t>
-            </a:r>
-            <a:endParaRPr lang="cs-CZ" sz="4800" dirty="0">
-              <a:solidFill>
-                <a:schemeClr val="bg1"/>
-              </a:solidFill>
-              <a:latin typeface="Gill Sans MT" panose="020B0502020104020203" pitchFamily="34" charset="-18"/>
-              <a:cs typeface="Times New Roman" panose="02020603050405020304" pitchFamily="18" charset="0"/>
-            </a:endParaRPr>
-          </a:p>
-        </p:txBody>
-      </p:sp>
-      <p:sp>
-        <p:nvSpPr>
-          <p:cNvPr id="14" name="Obdélník 13"/>
+              <a:t>JSON SOUBORY</a:t>
+            </a:r>
+          </a:p>
+        </p:txBody>
+      </p:sp>
+      <p:sp>
+        <p:nvSpPr>
+          <p:cNvPr id="12" name="Obdélník 11"/>
           <p:cNvSpPr/>
           <p:nvPr/>
         </p:nvSpPr>
         <p:spPr>
+          <a:xfrm rot="3015449">
+            <a:off x="6888721" y="-256015"/>
+            <a:ext cx="4478637" cy="107166"/>
+          </a:xfrm>
+          <a:prstGeom prst="rect">
+            <a:avLst/>
+          </a:prstGeom>
+        </p:spPr>
+        <p:style>
+          <a:lnRef idx="2">
+            <a:schemeClr val="accent4">
+              <a:shade val="50000"/>
+            </a:schemeClr>
+          </a:lnRef>
+          <a:fillRef idx="1">
+            <a:schemeClr val="accent4"/>
+          </a:fillRef>
+          <a:effectRef idx="0">
+            <a:schemeClr val="accent4"/>
+          </a:effectRef>
+          <a:fontRef idx="minor">
+            <a:schemeClr val="lt1"/>
+          </a:fontRef>
+        </p:style>
+        <p:txBody>
+          <a:bodyPr rtlCol="0" anchor="ctr"/>
+          <a:lstStyle/>
+          <a:p>
+            <a:pPr algn="ctr"/>
+            <a:endParaRPr lang="cs-CZ"/>
+          </a:p>
+        </p:txBody>
+      </p:sp>
+      <p:sp>
+        <p:nvSpPr>
+          <p:cNvPr id="13" name="Obdélník 12"/>
+          <p:cNvSpPr/>
+          <p:nvPr/>
+        </p:nvSpPr>
+        <p:spPr>
           <a:xfrm>
-            <a:off x="9660194" y="1568245"/>
+            <a:off x="9507794" y="1415845"/>
             <a:ext cx="1846006" cy="157316"/>
           </a:xfrm>
           <a:prstGeom prst="rect">
@@ -4004,7 +3903,7 @@
       </p:sp>
       <p:sp>
         <p:nvSpPr>
-          <p:cNvPr id="15" name="Obdélník 14"/>
+          <p:cNvPr id="14" name="Obdélník 13"/>
           <p:cNvSpPr/>
           <p:nvPr/>
         </p:nvSpPr>
@@ -4044,14 +3943,14 @@
       </p:sp>
       <p:sp>
         <p:nvSpPr>
-          <p:cNvPr id="16" name="Obdélník 15"/>
+          <p:cNvPr id="15" name="Obdélník 14"/>
           <p:cNvSpPr/>
           <p:nvPr/>
         </p:nvSpPr>
         <p:spPr>
           <a:xfrm>
-            <a:off x="9507794" y="1415845"/>
-            <a:ext cx="1846006" cy="157316"/>
+            <a:off x="0" y="1415845"/>
+            <a:ext cx="12192000" cy="137850"/>
           </a:xfrm>
           <a:prstGeom prst="rect">
             <a:avLst/>
@@ -4090,111 +3989,16 @@
           </a:p>
         </p:txBody>
       </p:sp>
-      <p:sp>
-        <p:nvSpPr>
-          <p:cNvPr id="17" name="Obdélník 16"/>
-          <p:cNvSpPr/>
-          <p:nvPr/>
-        </p:nvSpPr>
-        <p:spPr>
-          <a:xfrm rot="3015449">
-            <a:off x="6888721" y="-256015"/>
-            <a:ext cx="4478637" cy="107166"/>
-          </a:xfrm>
-          <a:prstGeom prst="rect">
-            <a:avLst/>
-          </a:prstGeom>
-        </p:spPr>
-        <p:style>
-          <a:lnRef idx="2">
-            <a:schemeClr val="accent4">
-              <a:shade val="50000"/>
-            </a:schemeClr>
-          </a:lnRef>
-          <a:fillRef idx="1">
-            <a:schemeClr val="accent4"/>
-          </a:fillRef>
-          <a:effectRef idx="0">
-            <a:schemeClr val="accent4"/>
-          </a:effectRef>
-          <a:fontRef idx="minor">
-            <a:schemeClr val="lt1"/>
-          </a:fontRef>
-        </p:style>
-        <p:txBody>
-          <a:bodyPr rtlCol="0" anchor="ctr"/>
-          <a:lstStyle/>
-          <a:p>
-            <a:pPr algn="ctr"/>
-            <a:endParaRPr lang="cs-CZ"/>
-          </a:p>
-        </p:txBody>
-      </p:sp>
-      <p:sp>
-        <p:nvSpPr>
-          <p:cNvPr id="18" name="Obdélník 17"/>
-          <p:cNvSpPr/>
-          <p:nvPr/>
-        </p:nvSpPr>
-        <p:spPr>
-          <a:xfrm>
-            <a:off x="0" y="1415845"/>
-            <a:ext cx="12192000" cy="137850"/>
-          </a:xfrm>
-          <a:prstGeom prst="rect">
-            <a:avLst/>
-          </a:prstGeom>
-          <a:solidFill>
-            <a:schemeClr val="bg1"/>
-          </a:solidFill>
-          <a:ln>
-            <a:solidFill>
-              <a:schemeClr val="bg1"/>
-            </a:solidFill>
-          </a:ln>
-        </p:spPr>
-        <p:style>
-          <a:lnRef idx="2">
-            <a:schemeClr val="accent1">
-              <a:shade val="50000"/>
-            </a:schemeClr>
-          </a:lnRef>
-          <a:fillRef idx="1">
-            <a:schemeClr val="accent1"/>
-          </a:fillRef>
-          <a:effectRef idx="0">
-            <a:schemeClr val="accent1"/>
-          </a:effectRef>
-          <a:fontRef idx="minor">
-            <a:schemeClr val="lt1"/>
-          </a:fontRef>
-        </p:style>
-        <p:txBody>
-          <a:bodyPr rtlCol="0" anchor="ctr"/>
-          <a:lstStyle/>
-          <a:p>
-            <a:pPr algn="ctr"/>
-            <a:endParaRPr lang="cs-CZ"/>
-          </a:p>
-        </p:txBody>
-      </p:sp>
     </p:spTree>
     <p:extLst>
       <p:ext uri="{BB962C8B-B14F-4D97-AF65-F5344CB8AC3E}">
-        <p14:creationId xmlns:p14="http://schemas.microsoft.com/office/powerpoint/2010/main" val="1765813699"/>
+        <p14:creationId xmlns:p14="http://schemas.microsoft.com/office/powerpoint/2010/main" val="3175934817"/>
       </p:ext>
     </p:extLst>
   </p:cSld>
   <p:clrMapOvr>
     <a:masterClrMapping/>
   </p:clrMapOvr>
-  <p:timing>
-    <p:tnLst>
-      <p:par>
-        <p:cTn id="1" dur="indefinite" restart="never" nodeType="tmRoot"/>
-      </p:par>
-    </p:tnLst>
-  </p:timing>
 </p:sld>
 </file>
 
@@ -4217,24 +4021,416 @@
       </p:grpSpPr>
       <p:sp>
         <p:nvSpPr>
-          <p:cNvPr id="2" name="Nadpis 1"/>
+          <p:cNvPr id="3" name="Zástupný symbol pro obsah 2"/>
+          <p:cNvSpPr>
+            <a:spLocks noGrp="1"/>
+          </p:cNvSpPr>
+          <p:nvPr>
+            <p:ph idx="1"/>
+          </p:nvPr>
+        </p:nvSpPr>
+        <p:spPr>
+          <a:xfrm>
+            <a:off x="838200" y="2290915"/>
+            <a:ext cx="10515600" cy="3886047"/>
+          </a:xfrm>
+        </p:spPr>
+        <p:txBody>
+          <a:bodyPr>
+            <a:noAutofit/>
+          </a:bodyPr>
+          <a:lstStyle/>
+          <a:p>
+            <a:r>
+              <a:rPr lang="cs-CZ" sz="4800" dirty="0">
+                <a:latin typeface="Gill Sans MT" panose="020B0502020104020203" pitchFamily="34" charset="-18"/>
+              </a:rPr>
+              <a:t>Povolení Internetu</a:t>
+            </a:r>
+          </a:p>
+          <a:p>
+            <a:r>
+              <a:rPr lang="cs-CZ" sz="4800" dirty="0" err="1">
+                <a:latin typeface="Gill Sans MT" panose="020B0502020104020203" pitchFamily="34" charset="-18"/>
+              </a:rPr>
+              <a:t>Parsování</a:t>
+            </a:r>
+            <a:r>
+              <a:rPr lang="cs-CZ" sz="4800" dirty="0">
+                <a:latin typeface="Gill Sans MT" panose="020B0502020104020203" pitchFamily="34" charset="-18"/>
+              </a:rPr>
+              <a:t> JSON souborů</a:t>
+            </a:r>
+          </a:p>
+          <a:p>
+            <a:r>
+              <a:rPr lang="cs-CZ" sz="4800" dirty="0">
+                <a:latin typeface="Gill Sans MT" panose="020B0502020104020203" pitchFamily="34" charset="-18"/>
+              </a:rPr>
+              <a:t>Indexování</a:t>
+            </a:r>
+          </a:p>
+          <a:p>
+            <a:r>
+              <a:rPr lang="cs-CZ" sz="4800" dirty="0">
+                <a:latin typeface="Gill Sans MT" panose="020B0502020104020203" pitchFamily="34" charset="-18"/>
+              </a:rPr>
+              <a:t>Přeposílání dat</a:t>
+            </a:r>
+          </a:p>
+        </p:txBody>
+      </p:sp>
+      <p:sp>
+        <p:nvSpPr>
+          <p:cNvPr id="9" name="Nadpis 8"/>
           <p:cNvSpPr>
             <a:spLocks noGrp="1"/>
           </p:cNvSpPr>
           <p:nvPr>
             <p:ph type="title"/>
           </p:nvPr>
+        </p:nvSpPr>
+        <p:spPr/>
+        <p:txBody>
+          <a:bodyPr/>
+          <a:lstStyle/>
+          <a:p>
+            <a:endParaRPr lang="cs-CZ" dirty="0"/>
+          </a:p>
+        </p:txBody>
+      </p:sp>
+      <p:sp>
+        <p:nvSpPr>
+          <p:cNvPr id="10" name="Nadpis 1"/>
+          <p:cNvSpPr txBox="1">
+            <a:spLocks/>
+          </p:cNvSpPr>
+          <p:nvPr/>
         </p:nvSpPr>
         <p:spPr>
           <a:xfrm>
             <a:off x="0" y="1"/>
             <a:ext cx="12192000" cy="1415844"/>
           </a:xfrm>
+          <a:prstGeom prst="rect">
+            <a:avLst/>
+          </a:prstGeom>
           <a:solidFill>
             <a:schemeClr val="tx1"/>
           </a:solidFill>
         </p:spPr>
         <p:txBody>
+          <a:bodyPr vert="horz" lIns="91440" tIns="45720" rIns="91440" bIns="45720" rtlCol="0" anchor="ctr">
+            <a:normAutofit/>
+          </a:bodyPr>
+          <a:lstStyle>
+            <a:lvl1pPr algn="l" defTabSz="914400" rtl="0" eaLnBrk="1" latinLnBrk="0" hangingPunct="1">
+              <a:lnSpc>
+                <a:spcPct val="90000"/>
+              </a:lnSpc>
+              <a:spcBef>
+                <a:spcPct val="0"/>
+              </a:spcBef>
+              <a:buNone/>
+              <a:defRPr sz="4400" kern="1200">
+                <a:solidFill>
+                  <a:schemeClr val="tx1"/>
+                </a:solidFill>
+                <a:latin typeface="+mj-lt"/>
+                <a:ea typeface="+mj-ea"/>
+                <a:cs typeface="+mj-cs"/>
+              </a:defRPr>
+            </a:lvl1pPr>
+          </a:lstStyle>
+          <a:p>
+            <a:pPr algn="ctr"/>
+            <a:r>
+              <a:rPr lang="cs-CZ" sz="4800" dirty="0">
+                <a:solidFill>
+                  <a:schemeClr val="bg1"/>
+                </a:solidFill>
+                <a:latin typeface="Gill Sans MT" panose="020B0502020104020203" pitchFamily="34" charset="-18"/>
+                <a:cs typeface="Times New Roman" panose="02020603050405020304" pitchFamily="18" charset="0"/>
+              </a:rPr>
+              <a:t>VYŘEŠENÁ PROBLEMATIKA</a:t>
+            </a:r>
+          </a:p>
+        </p:txBody>
+      </p:sp>
+      <p:sp>
+        <p:nvSpPr>
+          <p:cNvPr id="14" name="Obdélník 13"/>
+          <p:cNvSpPr/>
+          <p:nvPr/>
+        </p:nvSpPr>
+        <p:spPr>
+          <a:xfrm>
+            <a:off x="9660194" y="1568245"/>
+            <a:ext cx="1846006" cy="157316"/>
+          </a:xfrm>
+          <a:prstGeom prst="rect">
+            <a:avLst/>
+          </a:prstGeom>
+          <a:solidFill>
+            <a:schemeClr val="bg1"/>
+          </a:solidFill>
+          <a:ln>
+            <a:solidFill>
+              <a:schemeClr val="bg1"/>
+            </a:solidFill>
+          </a:ln>
+        </p:spPr>
+        <p:style>
+          <a:lnRef idx="2">
+            <a:schemeClr val="accent1">
+              <a:shade val="50000"/>
+            </a:schemeClr>
+          </a:lnRef>
+          <a:fillRef idx="1">
+            <a:schemeClr val="accent1"/>
+          </a:fillRef>
+          <a:effectRef idx="0">
+            <a:schemeClr val="accent1"/>
+          </a:effectRef>
+          <a:fontRef idx="minor">
+            <a:schemeClr val="lt1"/>
+          </a:fontRef>
+        </p:style>
+        <p:txBody>
+          <a:bodyPr rtlCol="0" anchor="ctr"/>
+          <a:lstStyle/>
+          <a:p>
+            <a:pPr algn="ctr"/>
+            <a:endParaRPr lang="cs-CZ"/>
+          </a:p>
+        </p:txBody>
+      </p:sp>
+      <p:sp>
+        <p:nvSpPr>
+          <p:cNvPr id="15" name="Obdélník 14"/>
+          <p:cNvSpPr/>
+          <p:nvPr/>
+        </p:nvSpPr>
+        <p:spPr>
+          <a:xfrm rot="3015449">
+            <a:off x="6888721" y="-256015"/>
+            <a:ext cx="4478637" cy="107166"/>
+          </a:xfrm>
+          <a:prstGeom prst="rect">
+            <a:avLst/>
+          </a:prstGeom>
+        </p:spPr>
+        <p:style>
+          <a:lnRef idx="2">
+            <a:schemeClr val="accent4">
+              <a:shade val="50000"/>
+            </a:schemeClr>
+          </a:lnRef>
+          <a:fillRef idx="1">
+            <a:schemeClr val="accent4"/>
+          </a:fillRef>
+          <a:effectRef idx="0">
+            <a:schemeClr val="accent4"/>
+          </a:effectRef>
+          <a:fontRef idx="minor">
+            <a:schemeClr val="lt1"/>
+          </a:fontRef>
+        </p:style>
+        <p:txBody>
+          <a:bodyPr rtlCol="0" anchor="ctr"/>
+          <a:lstStyle/>
+          <a:p>
+            <a:pPr algn="ctr"/>
+            <a:endParaRPr lang="cs-CZ"/>
+          </a:p>
+        </p:txBody>
+      </p:sp>
+      <p:sp>
+        <p:nvSpPr>
+          <p:cNvPr id="16" name="Obdélník 15"/>
+          <p:cNvSpPr/>
+          <p:nvPr/>
+        </p:nvSpPr>
+        <p:spPr>
+          <a:xfrm>
+            <a:off x="9507794" y="1415845"/>
+            <a:ext cx="1846006" cy="157316"/>
+          </a:xfrm>
+          <a:prstGeom prst="rect">
+            <a:avLst/>
+          </a:prstGeom>
+          <a:solidFill>
+            <a:schemeClr val="bg1"/>
+          </a:solidFill>
+          <a:ln>
+            <a:solidFill>
+              <a:schemeClr val="bg1"/>
+            </a:solidFill>
+          </a:ln>
+        </p:spPr>
+        <p:style>
+          <a:lnRef idx="2">
+            <a:schemeClr val="accent1">
+              <a:shade val="50000"/>
+            </a:schemeClr>
+          </a:lnRef>
+          <a:fillRef idx="1">
+            <a:schemeClr val="accent1"/>
+          </a:fillRef>
+          <a:effectRef idx="0">
+            <a:schemeClr val="accent1"/>
+          </a:effectRef>
+          <a:fontRef idx="minor">
+            <a:schemeClr val="lt1"/>
+          </a:fontRef>
+        </p:style>
+        <p:txBody>
+          <a:bodyPr rtlCol="0" anchor="ctr"/>
+          <a:lstStyle/>
+          <a:p>
+            <a:pPr algn="ctr"/>
+            <a:endParaRPr lang="cs-CZ"/>
+          </a:p>
+        </p:txBody>
+      </p:sp>
+      <p:sp>
+        <p:nvSpPr>
+          <p:cNvPr id="17" name="Obdélník 16"/>
+          <p:cNvSpPr/>
+          <p:nvPr/>
+        </p:nvSpPr>
+        <p:spPr>
+          <a:xfrm rot="3015449">
+            <a:off x="6888721" y="-256015"/>
+            <a:ext cx="4478637" cy="107166"/>
+          </a:xfrm>
+          <a:prstGeom prst="rect">
+            <a:avLst/>
+          </a:prstGeom>
+        </p:spPr>
+        <p:style>
+          <a:lnRef idx="2">
+            <a:schemeClr val="accent4">
+              <a:shade val="50000"/>
+            </a:schemeClr>
+          </a:lnRef>
+          <a:fillRef idx="1">
+            <a:schemeClr val="accent4"/>
+          </a:fillRef>
+          <a:effectRef idx="0">
+            <a:schemeClr val="accent4"/>
+          </a:effectRef>
+          <a:fontRef idx="minor">
+            <a:schemeClr val="lt1"/>
+          </a:fontRef>
+        </p:style>
+        <p:txBody>
+          <a:bodyPr rtlCol="0" anchor="ctr"/>
+          <a:lstStyle/>
+          <a:p>
+            <a:pPr algn="ctr"/>
+            <a:endParaRPr lang="cs-CZ"/>
+          </a:p>
+        </p:txBody>
+      </p:sp>
+      <p:sp>
+        <p:nvSpPr>
+          <p:cNvPr id="18" name="Obdélník 17"/>
+          <p:cNvSpPr/>
+          <p:nvPr/>
+        </p:nvSpPr>
+        <p:spPr>
+          <a:xfrm>
+            <a:off x="0" y="1415845"/>
+            <a:ext cx="12192000" cy="137850"/>
+          </a:xfrm>
+          <a:prstGeom prst="rect">
+            <a:avLst/>
+          </a:prstGeom>
+          <a:solidFill>
+            <a:schemeClr val="bg1"/>
+          </a:solidFill>
+          <a:ln>
+            <a:solidFill>
+              <a:schemeClr val="bg1"/>
+            </a:solidFill>
+          </a:ln>
+        </p:spPr>
+        <p:style>
+          <a:lnRef idx="2">
+            <a:schemeClr val="accent1">
+              <a:shade val="50000"/>
+            </a:schemeClr>
+          </a:lnRef>
+          <a:fillRef idx="1">
+            <a:schemeClr val="accent1"/>
+          </a:fillRef>
+          <a:effectRef idx="0">
+            <a:schemeClr val="accent1"/>
+          </a:effectRef>
+          <a:fontRef idx="minor">
+            <a:schemeClr val="lt1"/>
+          </a:fontRef>
+        </p:style>
+        <p:txBody>
+          <a:bodyPr rtlCol="0" anchor="ctr"/>
+          <a:lstStyle/>
+          <a:p>
+            <a:pPr algn="ctr"/>
+            <a:endParaRPr lang="cs-CZ"/>
+          </a:p>
+        </p:txBody>
+      </p:sp>
+    </p:spTree>
+    <p:extLst>
+      <p:ext uri="{BB962C8B-B14F-4D97-AF65-F5344CB8AC3E}">
+        <p14:creationId xmlns:p14="http://schemas.microsoft.com/office/powerpoint/2010/main" val="1765813699"/>
+      </p:ext>
+    </p:extLst>
+  </p:cSld>
+  <p:clrMapOvr>
+    <a:masterClrMapping/>
+  </p:clrMapOvr>
+</p:sld>
+</file>
+
+<file path=ppt/slides/slide6.xml><?xml version="1.0" encoding="utf-8"?>
+<p:sld xmlns:a="http://schemas.openxmlformats.org/drawingml/2006/main" xmlns:r="http://schemas.openxmlformats.org/officeDocument/2006/relationships" xmlns:p="http://schemas.openxmlformats.org/presentationml/2006/main">
+  <p:cSld>
+    <p:spTree>
+      <p:nvGrpSpPr>
+        <p:cNvPr id="1" name=""/>
+        <p:cNvGrpSpPr/>
+        <p:nvPr/>
+      </p:nvGrpSpPr>
+      <p:grpSpPr>
+        <a:xfrm>
+          <a:off x="0" y="0"/>
+          <a:ext cx="0" cy="0"/>
+          <a:chOff x="0" y="0"/>
+          <a:chExt cx="0" cy="0"/>
+        </a:xfrm>
+      </p:grpSpPr>
+      <p:sp>
+        <p:nvSpPr>
+          <p:cNvPr id="2" name="Nadpis 1"/>
+          <p:cNvSpPr>
+            <a:spLocks noGrp="1"/>
+          </p:cNvSpPr>
+          <p:nvPr>
+            <p:ph type="title"/>
+          </p:nvPr>
+        </p:nvSpPr>
+        <p:spPr>
+          <a:xfrm>
+            <a:off x="0" y="1"/>
+            <a:ext cx="12192000" cy="1415844"/>
+          </a:xfrm>
+          <a:solidFill>
+            <a:schemeClr val="tx1"/>
+          </a:solidFill>
+        </p:spPr>
+        <p:txBody>
           <a:bodyPr>
             <a:normAutofit/>
           </a:bodyPr>
@@ -4242,7 +4438,7 @@
           <a:p>
             <a:pPr algn="ctr"/>
             <a:r>
-              <a:rPr lang="cs-CZ" sz="4800" dirty="0" smtClean="0">
+              <a:rPr lang="cs-CZ" sz="4800" dirty="0">
                 <a:solidFill>
                   <a:schemeClr val="bg1"/>
                 </a:solidFill>
@@ -4251,13 +4447,6 @@
               </a:rPr>
               <a:t>VÝSLEDEK</a:t>
             </a:r>
-            <a:endParaRPr lang="cs-CZ" sz="4800" dirty="0">
-              <a:solidFill>
-                <a:schemeClr val="bg1"/>
-              </a:solidFill>
-              <a:latin typeface="Gill Sans MT" panose="020B0502020104020203" pitchFamily="34" charset="-18"/>
-              <a:cs typeface="Times New Roman" panose="02020603050405020304" pitchFamily="18" charset="0"/>
-            </a:endParaRPr>
           </a:p>
         </p:txBody>
       </p:sp>
@@ -4565,17 +4754,10 @@
   <p:clrMapOvr>
     <a:masterClrMapping/>
   </p:clrMapOvr>
-  <p:timing>
-    <p:tnLst>
-      <p:par>
-        <p:cTn id="1" dur="indefinite" restart="never" nodeType="tmRoot"/>
-      </p:par>
-    </p:tnLst>
-  </p:timing>
 </p:sld>
 </file>
 
-<file path=ppt/slides/slide6.xml><?xml version="1.0" encoding="utf-8"?>
+<file path=ppt/slides/slide7.xml><?xml version="1.0" encoding="utf-8"?>
 <p:sld xmlns:a="http://schemas.openxmlformats.org/drawingml/2006/main" xmlns:r="http://schemas.openxmlformats.org/officeDocument/2006/relationships" xmlns:p="http://schemas.openxmlformats.org/presentationml/2006/main">
   <p:cSld>
     <p:spTree>
@@ -4717,7 +4899,7 @@
           <a:p>
             <a:pPr algn="ctr"/>
             <a:r>
-              <a:rPr lang="cs-CZ" sz="4800" smtClean="0">
+              <a:rPr lang="cs-CZ" sz="4800">
                 <a:solidFill>
                   <a:schemeClr val="bg1"/>
                 </a:solidFill>
@@ -4922,17 +5104,10 @@
   <p:clrMapOvr>
     <a:masterClrMapping/>
   </p:clrMapOvr>
-  <p:timing>
-    <p:tnLst>
-      <p:par>
-        <p:cTn id="1" dur="indefinite" restart="never" nodeType="tmRoot"/>
-      </p:par>
-    </p:tnLst>
-  </p:timing>
 </p:sld>
 </file>
 
-<file path=ppt/slides/slide7.xml><?xml version="1.0" encoding="utf-8"?>
+<file path=ppt/slides/slide8.xml><?xml version="1.0" encoding="utf-8"?>
 <p:sld xmlns:a="http://schemas.openxmlformats.org/drawingml/2006/main" xmlns:r="http://schemas.openxmlformats.org/officeDocument/2006/relationships" xmlns:p="http://schemas.openxmlformats.org/presentationml/2006/main">
   <p:cSld>
     <p:spTree>
@@ -4993,42 +5168,24 @@
           <a:lstStyle/>
           <a:p>
             <a:r>
-              <a:rPr lang="cs-CZ" sz="4800" dirty="0" smtClean="0">
-                <a:latin typeface="Gill Sans MT" panose="020B0502020104020203" pitchFamily="34" charset="-18"/>
-              </a:rPr>
-              <a:t>Zprostředkování pomocí služby </a:t>
-            </a:r>
-            <a:r>
               <a:rPr lang="cs-CZ" sz="4800" dirty="0">
                 <a:latin typeface="Gill Sans MT" panose="020B0502020104020203" pitchFamily="34" charset="-18"/>
               </a:rPr>
-              <a:t>G</a:t>
-            </a:r>
-            <a:r>
-              <a:rPr lang="cs-CZ" sz="4800" dirty="0" smtClean="0">
-                <a:latin typeface="Gill Sans MT" panose="020B0502020104020203" pitchFamily="34" charset="-18"/>
-              </a:rPr>
-              <a:t>oogle </a:t>
-            </a:r>
-            <a:r>
-              <a:rPr lang="cs-CZ" sz="4800" dirty="0" smtClean="0">
-                <a:latin typeface="Gill Sans MT" panose="020B0502020104020203" pitchFamily="34" charset="-18"/>
-              </a:rPr>
-              <a:t>Play </a:t>
-            </a:r>
-            <a:r>
-              <a:rPr lang="cs-CZ" sz="4800" dirty="0" err="1" smtClean="0">
+              <a:t>Zprostředkování pomocí služby Google Play </a:t>
+            </a:r>
+            <a:r>
+              <a:rPr lang="cs-CZ" sz="4800" dirty="0" err="1">
                 <a:latin typeface="Gill Sans MT" panose="020B0502020104020203" pitchFamily="34" charset="-18"/>
               </a:rPr>
               <a:t>Store</a:t>
             </a:r>
-            <a:endParaRPr lang="cs-CZ" sz="4800" dirty="0" smtClean="0">
+            <a:endParaRPr lang="cs-CZ" sz="4800" dirty="0">
               <a:latin typeface="Gill Sans MT" panose="020B0502020104020203" pitchFamily="34" charset="-18"/>
             </a:endParaRPr>
           </a:p>
           <a:p>
             <a:r>
-              <a:rPr lang="cs-CZ" sz="4800" dirty="0" smtClean="0">
+              <a:rPr lang="cs-CZ" sz="4800" dirty="0">
                 <a:latin typeface="Gill Sans MT" panose="020B0502020104020203" pitchFamily="34" charset="-18"/>
               </a:rPr>
               <a:t>Přihlašovací systém</a:t>
@@ -5088,7 +5245,7 @@
           <a:p>
             <a:pPr algn="ctr"/>
             <a:r>
-              <a:rPr lang="cs-CZ" sz="4800" dirty="0" smtClean="0">
+              <a:rPr lang="cs-CZ" sz="4800" dirty="0">
                 <a:solidFill>
                   <a:schemeClr val="bg1"/>
                 </a:solidFill>
@@ -5097,13 +5254,6 @@
               </a:rPr>
               <a:t>MOŽNÁ VYLEPŠENÍ</a:t>
             </a:r>
-            <a:endParaRPr lang="cs-CZ" sz="4800" dirty="0">
-              <a:solidFill>
-                <a:schemeClr val="bg1"/>
-              </a:solidFill>
-              <a:latin typeface="Gill Sans MT" panose="020B0502020104020203" pitchFamily="34" charset="-18"/>
-              <a:cs typeface="Times New Roman" panose="02020603050405020304" pitchFamily="18" charset="0"/>
-            </a:endParaRPr>
           </a:p>
         </p:txBody>
       </p:sp>
@@ -5293,13 +5443,6 @@
   <p:clrMapOvr>
     <a:masterClrMapping/>
   </p:clrMapOvr>
-  <p:timing>
-    <p:tnLst>
-      <p:par>
-        <p:cTn id="1" dur="indefinite" restart="never" nodeType="tmRoot"/>
-      </p:par>
-    </p:tnLst>
-  </p:timing>
 </p:sld>
 </file>
 
